--- a/3D/3D-Scanning-Notes.pptx
+++ b/3D/3D-Scanning-Notes.pptx
@@ -3464,8 +3464,8 @@
         </p:nvSpPr>
         <p:spPr>
           <a:xfrm>
-            <a:off x="1524000" y="5364740"/>
-            <a:ext cx="9144000" cy="376237"/>
+            <a:off x="1524000" y="5364480"/>
+            <a:ext cx="9144000" cy="623570"/>
           </a:xfrm>
         </p:spPr>
         <p:txBody>
@@ -3484,7 +3484,7 @@
             <a:pPr algn="ctr"/>
             <a:r>
               <a:rPr lang="en-US" altLang="zh-CN" sz="1400" smtClean="0"/>
-              <a:t>Last updated: 6-3-2018</a:t>
+              <a:t>Last updated: 11-3-2020</a:t>
             </a:r>
             <a:endParaRPr lang="en-US" altLang="zh-CN" sz="1400" smtClean="0"/>
           </a:p>
@@ -4584,13 +4584,89 @@
         <p:txBody>
           <a:bodyPr/>
           <a:p>
-            <a:endParaRPr lang="zh-CN" altLang="en-US"/>
-          </a:p>
-        </p:txBody>
-      </p:sp>
+            <a:r>
+              <a:rPr lang="en-US" altLang="zh-CN"/>
+              <a:t>Reference</a:t>
+            </a:r>
+            <a:endParaRPr lang="en-US" altLang="zh-CN"/>
+          </a:p>
+          <a:p>
+            <a:pPr lvl="1"/>
+            <a:r>
+              <a:rPr lang="en-US" altLang="zh-CN"/>
+              <a:t>https://www.instructables.com/3D-Scan-Anything-Using-a-Camera-Photogrammetry-Wit/</a:t>
+            </a:r>
+            <a:endParaRPr lang="en-US" altLang="zh-CN"/>
+          </a:p>
+          <a:p>
+            <a:pPr lvl="0"/>
+            <a:r>
+              <a:rPr lang="en-US" altLang="zh-CN"/>
+              <a:t>Not suitable</a:t>
+            </a:r>
+            <a:endParaRPr lang="en-US" altLang="zh-CN"/>
+          </a:p>
+          <a:p>
+            <a:pPr lvl="1"/>
+            <a:r>
+              <a:rPr lang="en-US" altLang="zh-CN"/>
+              <a:t>Moving object</a:t>
+            </a:r>
+            <a:endParaRPr lang="en-US" altLang="zh-CN"/>
+          </a:p>
+          <a:p>
+            <a:pPr lvl="1"/>
+            <a:r>
+              <a:rPr lang="en-US" altLang="zh-CN"/>
+              <a:t>Having micro details, like leafy plants, hair and fur</a:t>
+            </a:r>
+            <a:endParaRPr lang="en-US" altLang="zh-CN"/>
+          </a:p>
+          <a:p>
+            <a:pPr lvl="1"/>
+            <a:r>
+              <a:rPr lang="en-US" altLang="zh-CN"/>
+              <a:t>Reflective</a:t>
+            </a:r>
+            <a:endParaRPr lang="en-US" altLang="zh-CN"/>
+          </a:p>
+          <a:p>
+            <a:pPr lvl="1"/>
+            <a:r>
+              <a:rPr lang="en-US" altLang="zh-CN"/>
+              <a:t>Transparent, translucent and untextured objects</a:t>
+            </a:r>
+            <a:endParaRPr lang="en-US" altLang="zh-CN"/>
+          </a:p>
+        </p:txBody>
+      </p:sp>
+      <p:pic>
+        <p:nvPicPr>
+          <p:cNvPr id="4" name="图片 3"/>
+          <p:cNvPicPr>
+            <a:picLocks noChangeAspect="1"/>
+          </p:cNvPicPr>
+          <p:nvPr/>
+        </p:nvPicPr>
+        <p:blipFill>
+          <a:blip r:embed="rId1"/>
+          <a:stretch>
+            <a:fillRect/>
+          </a:stretch>
+        </p:blipFill>
+        <p:spPr>
+          <a:xfrm>
+            <a:off x="1362710" y="4354195"/>
+            <a:ext cx="9753600" cy="1905000"/>
+          </a:xfrm>
+          <a:prstGeom prst="rect">
+            <a:avLst/>
+          </a:prstGeom>
+        </p:spPr>
+      </p:pic>
     </p:spTree>
     <p:custDataLst>
-      <p:tags r:id="rId1"/>
+      <p:tags r:id="rId2"/>
     </p:custDataLst>
   </p:cSld>
   <p:clrMapOvr>

--- a/3D/3D-Scanning-Notes.pptx
+++ b/3D/3D-Scanning-Notes.pptx
@@ -5,21 +5,22 @@
     <p:sldMasterId id="2147483648" r:id="rId1"/>
   </p:sldMasterIdLst>
   <p:notesMasterIdLst>
-    <p:notesMasterId r:id="rId15"/>
+    <p:notesMasterId r:id="rId16"/>
   </p:notesMasterIdLst>
   <p:sldIdLst>
     <p:sldId id="256" r:id="rId3"/>
     <p:sldId id="262" r:id="rId4"/>
-    <p:sldId id="263" r:id="rId5"/>
-    <p:sldId id="264" r:id="rId6"/>
-    <p:sldId id="265" r:id="rId7"/>
-    <p:sldId id="272" r:id="rId8"/>
-    <p:sldId id="266" r:id="rId9"/>
-    <p:sldId id="267" r:id="rId10"/>
-    <p:sldId id="268" r:id="rId11"/>
-    <p:sldId id="269" r:id="rId12"/>
-    <p:sldId id="270" r:id="rId13"/>
-    <p:sldId id="271" r:id="rId14"/>
+    <p:sldId id="279" r:id="rId5"/>
+    <p:sldId id="263" r:id="rId6"/>
+    <p:sldId id="264" r:id="rId7"/>
+    <p:sldId id="265" r:id="rId8"/>
+    <p:sldId id="272" r:id="rId9"/>
+    <p:sldId id="266" r:id="rId10"/>
+    <p:sldId id="267" r:id="rId11"/>
+    <p:sldId id="268" r:id="rId12"/>
+    <p:sldId id="269" r:id="rId13"/>
+    <p:sldId id="270" r:id="rId14"/>
+    <p:sldId id="271" r:id="rId15"/>
   </p:sldIdLst>
   <p:sldSz cx="12192000" cy="6858000"/>
   <p:notesSz cx="6858000" cy="9144000"/>
@@ -3527,7 +3528,7 @@
           <a:p>
             <a:r>
               <a:rPr lang="en-US" altLang="zh-CN"/>
-              <a:t>Laser Triangulation</a:t>
+              <a:t>Structured Light</a:t>
             </a:r>
             <a:endParaRPr lang="en-US" altLang="zh-CN"/>
           </a:p>
@@ -3549,15 +3550,30 @@
           <a:p>
             <a:r>
               <a:rPr lang="zh-CN" altLang="en-US"/>
-              <a:t>NextEngine 3D Scanner HD</a:t>
+              <a:t>Shining3D EinScan SE / SP</a:t>
             </a:r>
             <a:endParaRPr lang="zh-CN" altLang="en-US"/>
           </a:p>
           <a:p>
+            <a:r>
+              <a:rPr lang="zh-CN" altLang="en-US"/>
+              <a:t>IIIDScan PrimeSense 3D Scanner</a:t>
+            </a:r>
+            <a:endParaRPr lang="zh-CN" altLang="en-US"/>
+          </a:p>
+          <a:p>
             <a:pPr lvl="1"/>
             <a:r>
               <a:rPr lang="en-US" altLang="zh-CN"/>
-              <a:t>max resolution: 0.1mm</a:t>
+              <a:t>Geometry camera: based on depth sensor 640x480</a:t>
+            </a:r>
+            <a:endParaRPr lang="en-US" altLang="zh-CN"/>
+          </a:p>
+          <a:p>
+            <a:pPr lvl="1"/>
+            <a:r>
+              <a:rPr lang="en-US" altLang="zh-CN"/>
+              <a:t>Texture camera</a:t>
             </a:r>
             <a:endParaRPr lang="en-US" altLang="zh-CN"/>
           </a:p>
@@ -3565,7 +3581,15 @@
             <a:pPr lvl="0"/>
             <a:r>
               <a:rPr lang="en-US" altLang="zh-CN"/>
-              <a:t>FabScan Pi</a:t>
+              <a:t>XYZPrinting Handheld</a:t>
+            </a:r>
+            <a:endParaRPr lang="en-US" altLang="zh-CN"/>
+          </a:p>
+          <a:p>
+            <a:pPr lvl="1"/>
+            <a:r>
+              <a:rPr lang="en-US" altLang="zh-CN"/>
+              <a:t>Based on Intel RealSense</a:t>
             </a:r>
             <a:endParaRPr lang="en-US" altLang="zh-CN"/>
           </a:p>
@@ -3573,39 +3597,7 @@
             <a:pPr lvl="0"/>
             <a:r>
               <a:rPr lang="en-US" altLang="zh-CN"/>
-              <a:t>Murobo Atlas</a:t>
-            </a:r>
-            <a:endParaRPr lang="en-US" altLang="zh-CN"/>
-          </a:p>
-          <a:p>
-            <a:pPr lvl="1"/>
-            <a:r>
-              <a:rPr lang="en-US" altLang="zh-CN"/>
-              <a:t>system: Raspberry Pi</a:t>
-            </a:r>
-            <a:endParaRPr lang="en-US" altLang="zh-CN"/>
-          </a:p>
-          <a:p>
-            <a:pPr lvl="0"/>
-            <a:r>
-              <a:rPr lang="en-US" altLang="zh-CN"/>
-              <a:t>BQ Ciclop</a:t>
-            </a:r>
-            <a:endParaRPr lang="en-US" altLang="zh-CN"/>
-          </a:p>
-          <a:p>
-            <a:pPr lvl="1"/>
-            <a:r>
-              <a:rPr lang="en-US" altLang="zh-CN"/>
-              <a:t>Arduino board</a:t>
-            </a:r>
-            <a:endParaRPr lang="en-US" altLang="zh-CN"/>
-          </a:p>
-          <a:p>
-            <a:pPr lvl="1"/>
-            <a:r>
-              <a:rPr lang="en-US" altLang="zh-CN"/>
-              <a:t>Logitech webcam</a:t>
+              <a:t>Occipital Structure Sensor</a:t>
             </a:r>
             <a:endParaRPr lang="en-US" altLang="zh-CN"/>
           </a:p>
@@ -3648,7 +3640,7 @@
           <a:p>
             <a:r>
               <a:rPr lang="en-US" altLang="zh-CN"/>
-              <a:t>Photogrametry</a:t>
+              <a:t>Laser Triangulation</a:t>
             </a:r>
             <a:endParaRPr lang="en-US" altLang="zh-CN"/>
           </a:p>
@@ -3670,9 +3662,65 @@
           <a:p>
             <a:r>
               <a:rPr lang="zh-CN" altLang="en-US"/>
-              <a:t>3D Systems iSense</a:t>
+              <a:t>NextEngine 3D Scanner HD</a:t>
             </a:r>
             <a:endParaRPr lang="zh-CN" altLang="en-US"/>
+          </a:p>
+          <a:p>
+            <a:pPr lvl="1"/>
+            <a:r>
+              <a:rPr lang="en-US" altLang="zh-CN"/>
+              <a:t>max resolution: 0.1mm</a:t>
+            </a:r>
+            <a:endParaRPr lang="en-US" altLang="zh-CN"/>
+          </a:p>
+          <a:p>
+            <a:pPr lvl="0"/>
+            <a:r>
+              <a:rPr lang="en-US" altLang="zh-CN"/>
+              <a:t>FabScan Pi</a:t>
+            </a:r>
+            <a:endParaRPr lang="en-US" altLang="zh-CN"/>
+          </a:p>
+          <a:p>
+            <a:pPr lvl="0"/>
+            <a:r>
+              <a:rPr lang="en-US" altLang="zh-CN"/>
+              <a:t>Murobo Atlas</a:t>
+            </a:r>
+            <a:endParaRPr lang="en-US" altLang="zh-CN"/>
+          </a:p>
+          <a:p>
+            <a:pPr lvl="1"/>
+            <a:r>
+              <a:rPr lang="en-US" altLang="zh-CN"/>
+              <a:t>system: Raspberry Pi</a:t>
+            </a:r>
+            <a:endParaRPr lang="en-US" altLang="zh-CN"/>
+          </a:p>
+          <a:p>
+            <a:pPr lvl="0"/>
+            <a:r>
+              <a:rPr lang="en-US" altLang="zh-CN"/>
+              <a:t>BQ Ciclop</a:t>
+            </a:r>
+            <a:endParaRPr lang="en-US" altLang="zh-CN"/>
+          </a:p>
+          <a:p>
+            <a:pPr lvl="1"/>
+            <a:r>
+              <a:rPr lang="en-US" altLang="zh-CN"/>
+              <a:t>Arduino board</a:t>
+            </a:r>
+            <a:endParaRPr lang="en-US" altLang="zh-CN"/>
+          </a:p>
+          <a:p>
+            <a:pPr lvl="1"/>
+            <a:r>
+              <a:rPr lang="en-US" altLang="zh-CN"/>
+              <a:t>Logitech webcam</a:t>
+            </a:r>
+            <a:endParaRPr lang="en-US" altLang="zh-CN"/>
           </a:p>
         </p:txBody>
       </p:sp>
@@ -3713,6 +3761,71 @@
           <a:p>
             <a:r>
               <a:rPr lang="en-US" altLang="zh-CN"/>
+              <a:t>Photogrametry</a:t>
+            </a:r>
+            <a:endParaRPr lang="en-US" altLang="zh-CN"/>
+          </a:p>
+        </p:txBody>
+      </p:sp>
+      <p:sp>
+        <p:nvSpPr>
+          <p:cNvPr id="3" name="内容占位符 2"/>
+          <p:cNvSpPr>
+            <a:spLocks noGrp="1"/>
+          </p:cNvSpPr>
+          <p:nvPr>
+            <p:ph idx="1"/>
+          </p:nvPr>
+        </p:nvSpPr>
+        <p:spPr/>
+        <p:txBody>
+          <a:bodyPr/>
+          <a:p>
+            <a:r>
+              <a:rPr lang="zh-CN" altLang="en-US"/>
+              <a:t>3D Systems iSense</a:t>
+            </a:r>
+            <a:endParaRPr lang="zh-CN" altLang="en-US"/>
+          </a:p>
+        </p:txBody>
+      </p:sp>
+    </p:spTree>
+    <p:custDataLst>
+      <p:tags r:id="rId1"/>
+    </p:custDataLst>
+  </p:cSld>
+  <p:clrMapOvr>
+    <a:masterClrMapping/>
+  </p:clrMapOvr>
+</p:sld>
+</file>
+
+<file path=ppt/slides/slide13.xml><?xml version="1.0" encoding="utf-8"?>
+<p:sld xmlns:a="http://schemas.openxmlformats.org/drawingml/2006/main" xmlns:r="http://schemas.openxmlformats.org/officeDocument/2006/relationships" xmlns:p="http://schemas.openxmlformats.org/presentationml/2006/main">
+  <p:cSld>
+    <p:spTree>
+      <p:nvGrpSpPr>
+        <p:cNvPr id="1" name=""/>
+        <p:cNvGrpSpPr/>
+        <p:nvPr/>
+      </p:nvGrpSpPr>
+      <p:grpSpPr/>
+      <p:sp>
+        <p:nvSpPr>
+          <p:cNvPr id="2" name="标题 1"/>
+          <p:cNvSpPr>
+            <a:spLocks noGrp="1"/>
+          </p:cNvSpPr>
+          <p:nvPr>
+            <p:ph type="title"/>
+          </p:nvPr>
+        </p:nvSpPr>
+        <p:spPr/>
+        <p:txBody>
+          <a:bodyPr/>
+          <a:p>
+            <a:r>
+              <a:rPr lang="en-US" altLang="zh-CN"/>
               <a:t>TOF</a:t>
             </a:r>
             <a:endParaRPr lang="en-US" altLang="zh-CN"/>
@@ -3897,6 +4010,49 @@
 </file>
 
 <file path=ppt/slides/slide3.xml><?xml version="1.0" encoding="utf-8"?>
+<p:sld xmlns:a="http://schemas.openxmlformats.org/drawingml/2006/main" xmlns:r="http://schemas.openxmlformats.org/officeDocument/2006/relationships" xmlns:p="http://schemas.openxmlformats.org/presentationml/2006/main">
+  <p:cSld>
+    <p:spTree>
+      <p:nvGrpSpPr>
+        <p:cNvPr id="1" name=""/>
+        <p:cNvGrpSpPr/>
+        <p:nvPr/>
+      </p:nvGrpSpPr>
+      <p:grpSpPr/>
+      <p:sp>
+        <p:nvSpPr>
+          <p:cNvPr id="2" name="标题 1"/>
+          <p:cNvSpPr>
+            <a:spLocks noGrp="1"/>
+          </p:cNvSpPr>
+          <p:nvPr>
+            <p:ph type="title"/>
+          </p:nvPr>
+        </p:nvSpPr>
+        <p:spPr/>
+        <p:txBody>
+          <a:bodyPr/>
+          <a:p>
+            <a:r>
+              <a:rPr lang="en-US" altLang="zh-CN"/>
+              <a:t>Comparison</a:t>
+            </a:r>
+            <a:endParaRPr lang="en-US" altLang="zh-CN"/>
+          </a:p>
+        </p:txBody>
+      </p:sp>
+    </p:spTree>
+    <p:custDataLst>
+      <p:tags r:id="rId1"/>
+    </p:custDataLst>
+  </p:cSld>
+  <p:clrMapOvr>
+    <a:masterClrMapping/>
+  </p:clrMapOvr>
+</p:sld>
+</file>
+
+<file path=ppt/slides/slide4.xml><?xml version="1.0" encoding="utf-8"?>
 <p:sld xmlns:a="http://schemas.openxmlformats.org/drawingml/2006/main" xmlns:r="http://schemas.openxmlformats.org/officeDocument/2006/relationships" xmlns:p="http://schemas.openxmlformats.org/presentationml/2006/main">
   <p:cSld>
     <p:spTree>
@@ -4122,7 +4278,7 @@
 </p:sld>
 </file>
 
-<file path=ppt/slides/slide4.xml><?xml version="1.0" encoding="utf-8"?>
+<file path=ppt/slides/slide5.xml><?xml version="1.0" encoding="utf-8"?>
 <p:sld xmlns:a="http://schemas.openxmlformats.org/drawingml/2006/main" xmlns:r="http://schemas.openxmlformats.org/officeDocument/2006/relationships" xmlns:p="http://schemas.openxmlformats.org/presentationml/2006/main">
   <p:cSld>
     <p:spTree>
@@ -4385,7 +4541,7 @@
 </p:sld>
 </file>
 
-<file path=ppt/slides/slide5.xml><?xml version="1.0" encoding="utf-8"?>
+<file path=ppt/slides/slide6.xml><?xml version="1.0" encoding="utf-8"?>
 <p:sld xmlns:a="http://schemas.openxmlformats.org/drawingml/2006/main" xmlns:r="http://schemas.openxmlformats.org/officeDocument/2006/relationships" xmlns:p="http://schemas.openxmlformats.org/presentationml/2006/main">
   <p:cSld>
     <p:spTree>
@@ -4538,7 +4694,7 @@
 </p:sld>
 </file>
 
-<file path=ppt/slides/slide6.xml><?xml version="1.0" encoding="utf-8"?>
+<file path=ppt/slides/slide7.xml><?xml version="1.0" encoding="utf-8"?>
 <p:sld xmlns:a="http://schemas.openxmlformats.org/drawingml/2006/main" xmlns:r="http://schemas.openxmlformats.org/officeDocument/2006/relationships" xmlns:p="http://schemas.openxmlformats.org/presentationml/2006/main">
   <p:cSld>
     <p:spTree>
@@ -4675,67 +4831,6 @@
 </p:sld>
 </file>
 
-<file path=ppt/slides/slide7.xml><?xml version="1.0" encoding="utf-8"?>
-<p:sld xmlns:a="http://schemas.openxmlformats.org/drawingml/2006/main" xmlns:r="http://schemas.openxmlformats.org/officeDocument/2006/relationships" xmlns:p="http://schemas.openxmlformats.org/presentationml/2006/main">
-  <p:cSld>
-    <p:spTree>
-      <p:nvGrpSpPr>
-        <p:cNvPr id="1" name=""/>
-        <p:cNvGrpSpPr/>
-        <p:nvPr/>
-      </p:nvGrpSpPr>
-      <p:grpSpPr/>
-      <p:sp>
-        <p:nvSpPr>
-          <p:cNvPr id="4" name="标题 3"/>
-          <p:cNvSpPr>
-            <a:spLocks noGrp="1"/>
-          </p:cNvSpPr>
-          <p:nvPr>
-            <p:ph type="title"/>
-          </p:nvPr>
-        </p:nvSpPr>
-        <p:spPr/>
-        <p:txBody>
-          <a:bodyPr/>
-          <a:p>
-            <a:r>
-              <a:rPr lang="en-US" altLang="zh-CN"/>
-              <a:t>Products</a:t>
-            </a:r>
-            <a:endParaRPr lang="en-US" altLang="zh-CN"/>
-          </a:p>
-        </p:txBody>
-      </p:sp>
-      <p:sp>
-        <p:nvSpPr>
-          <p:cNvPr id="5" name="文本占位符 4"/>
-          <p:cNvSpPr>
-            <a:spLocks noGrp="1"/>
-          </p:cNvSpPr>
-          <p:nvPr>
-            <p:ph type="body" idx="1"/>
-          </p:nvPr>
-        </p:nvSpPr>
-        <p:spPr/>
-        <p:txBody>
-          <a:bodyPr/>
-          <a:p>
-            <a:endParaRPr lang="zh-CN" altLang="en-US"/>
-          </a:p>
-        </p:txBody>
-      </p:sp>
-    </p:spTree>
-    <p:custDataLst>
-      <p:tags r:id="rId1"/>
-    </p:custDataLst>
-  </p:cSld>
-  <p:clrMapOvr>
-    <a:masterClrMapping/>
-  </p:clrMapOvr>
-</p:sld>
-</file>
-
 <file path=ppt/slides/slide8.xml><?xml version="1.0" encoding="utf-8"?>
 <p:sld xmlns:a="http://schemas.openxmlformats.org/drawingml/2006/main" xmlns:r="http://schemas.openxmlformats.org/officeDocument/2006/relationships" xmlns:p="http://schemas.openxmlformats.org/presentationml/2006/main">
   <p:cSld>
@@ -4762,32 +4857,25 @@
           <a:p>
             <a:r>
               <a:rPr lang="en-US" altLang="zh-CN"/>
-              <a:t>Reference</a:t>
-            </a:r>
-            <a:endParaRPr lang="en-US" altLang="zh-CN"/>
-          </a:p>
-        </p:txBody>
-      </p:sp>
-      <p:sp>
-        <p:nvSpPr>
-          <p:cNvPr id="5" name="内容占位符 4"/>
-          <p:cNvSpPr>
-            <a:spLocks noGrp="1"/>
-          </p:cNvSpPr>
-          <p:nvPr>
-            <p:ph idx="1"/>
+              <a:t>Products</a:t>
+            </a:r>
+            <a:endParaRPr lang="en-US" altLang="zh-CN"/>
+          </a:p>
+        </p:txBody>
+      </p:sp>
+      <p:sp>
+        <p:nvSpPr>
+          <p:cNvPr id="5" name="文本占位符 4"/>
+          <p:cNvSpPr>
+            <a:spLocks noGrp="1"/>
+          </p:cNvSpPr>
+          <p:nvPr>
+            <p:ph type="body" idx="1"/>
           </p:nvPr>
         </p:nvSpPr>
         <p:spPr/>
         <p:txBody>
           <a:bodyPr/>
-          <a:p>
-            <a:r>
-              <a:rPr lang="zh-CN" altLang="en-US"/>
-              <a:t>https://all3dp.com/1/best-3d-scanner-diy-handheld-app-software/</a:t>
-            </a:r>
-            <a:endParaRPr lang="zh-CN" altLang="en-US"/>
-          </a:p>
           <a:p>
             <a:endParaRPr lang="zh-CN" altLang="en-US"/>
           </a:p>
@@ -4816,7 +4904,7 @@
       <p:grpSpPr/>
       <p:sp>
         <p:nvSpPr>
-          <p:cNvPr id="2" name="标题 1"/>
+          <p:cNvPr id="4" name="标题 3"/>
           <p:cNvSpPr>
             <a:spLocks noGrp="1"/>
           </p:cNvSpPr>
@@ -4830,15 +4918,15 @@
           <a:p>
             <a:r>
               <a:rPr lang="en-US" altLang="zh-CN"/>
-              <a:t>Structured Light</a:t>
-            </a:r>
-            <a:endParaRPr lang="en-US" altLang="zh-CN"/>
-          </a:p>
-        </p:txBody>
-      </p:sp>
-      <p:sp>
-        <p:nvSpPr>
-          <p:cNvPr id="3" name="内容占位符 2"/>
+              <a:t>Reference</a:t>
+            </a:r>
+            <a:endParaRPr lang="en-US" altLang="zh-CN"/>
+          </a:p>
+        </p:txBody>
+      </p:sp>
+      <p:sp>
+        <p:nvSpPr>
+          <p:cNvPr id="5" name="内容占位符 4"/>
           <p:cNvSpPr>
             <a:spLocks noGrp="1"/>
           </p:cNvSpPr>
@@ -4852,56 +4940,12 @@
           <a:p>
             <a:r>
               <a:rPr lang="zh-CN" altLang="en-US"/>
-              <a:t>Shining3D EinScan SE / SP</a:t>
+              <a:t>https://all3dp.com/1/best-3d-scanner-diy-handheld-app-software/</a:t>
             </a:r>
             <a:endParaRPr lang="zh-CN" altLang="en-US"/>
           </a:p>
           <a:p>
-            <a:r>
-              <a:rPr lang="zh-CN" altLang="en-US"/>
-              <a:t>IIIDScan PrimeSense 3D Scanner</a:t>
-            </a:r>
             <a:endParaRPr lang="zh-CN" altLang="en-US"/>
-          </a:p>
-          <a:p>
-            <a:pPr lvl="1"/>
-            <a:r>
-              <a:rPr lang="en-US" altLang="zh-CN"/>
-              <a:t>Geometry camera: based on depth sensor 640x480</a:t>
-            </a:r>
-            <a:endParaRPr lang="en-US" altLang="zh-CN"/>
-          </a:p>
-          <a:p>
-            <a:pPr lvl="1"/>
-            <a:r>
-              <a:rPr lang="en-US" altLang="zh-CN"/>
-              <a:t>Texture camera</a:t>
-            </a:r>
-            <a:endParaRPr lang="en-US" altLang="zh-CN"/>
-          </a:p>
-          <a:p>
-            <a:pPr lvl="0"/>
-            <a:r>
-              <a:rPr lang="en-US" altLang="zh-CN"/>
-              <a:t>XYZPrinting Handheld</a:t>
-            </a:r>
-            <a:endParaRPr lang="en-US" altLang="zh-CN"/>
-          </a:p>
-          <a:p>
-            <a:pPr lvl="1"/>
-            <a:r>
-              <a:rPr lang="en-US" altLang="zh-CN"/>
-              <a:t>Based on Intel RealSense</a:t>
-            </a:r>
-            <a:endParaRPr lang="en-US" altLang="zh-CN"/>
-          </a:p>
-          <a:p>
-            <a:pPr lvl="0"/>
-            <a:r>
-              <a:rPr lang="en-US" altLang="zh-CN"/>
-              <a:t>Occipital Structure Sensor</a:t>
-            </a:r>
-            <a:endParaRPr lang="en-US" altLang="zh-CN"/>
           </a:p>
         </p:txBody>
       </p:sp>
@@ -4981,6 +5025,14 @@
 </file>
 
 <file path=ppt/tags/tag17.xml><?xml version="1.0" encoding="utf-8"?>
+<p:tagLst xmlns:p="http://schemas.openxmlformats.org/presentationml/2006/main">
+  <p:tag name="KSO_WM_BEAUTIFY_FLAG" val="#wm#"/>
+  <p:tag name="KSO_WM_TEMPLATE_CATEGORY" val="custom"/>
+  <p:tag name="KSO_WM_TEMPLATE_INDEX" val="160402"/>
+</p:tagLst>
+</file>
+
+<file path=ppt/tags/tag18.xml><?xml version="1.0" encoding="utf-8"?>
 <p:tagLst xmlns:p="http://schemas.openxmlformats.org/presentationml/2006/main">
   <p:tag name="KSO_WM_BEAUTIFY_FLAG" val="#wm#"/>
   <p:tag name="KSO_WM_TEMPLATE_CATEGORY" val="custom"/>
